--- a/MyPersonalBankAPI/docs/R4 - Reto Caso Práctico [Equipo 2] - CAPA DE PERSISTENCIA.pptx
+++ b/MyPersonalBankAPI/docs/R4 - Reto Caso Práctico [Equipo 2] - CAPA DE PERSISTENCIA.pptx
@@ -192,7 +192,7 @@
           <a:p>
             <a:fld id="{1D8BD707-D9CF-40AE-B4C6-C98DA3205C09}" type="datetimeFigureOut">
               <a:rPr lang="en-US"/>
-              <a:t>11/15/2023</a:t>
+              <a:t>11/26/2023</a:t>
             </a:fld>
             <a:endParaRPr lang="en-US"/>
           </a:p>
@@ -2697,7 +2697,7 @@
           <a:p>
             <a:fld id="{1D8BD707-D9CF-40AE-B4C6-C98DA3205C09}" type="datetimeFigureOut">
               <a:rPr lang="en-US"/>
-              <a:t>11/15/2023</a:t>
+              <a:t>11/26/2023</a:t>
             </a:fld>
             <a:endParaRPr lang="en-US"/>
           </a:p>
@@ -2963,7 +2963,7 @@
           <a:p>
             <a:fld id="{1D8BD707-D9CF-40AE-B4C6-C98DA3205C09}" type="datetimeFigureOut">
               <a:rPr lang="en-US"/>
-              <a:t>11/15/2023</a:t>
+              <a:t>11/26/2023</a:t>
             </a:fld>
             <a:endParaRPr lang="en-US"/>
           </a:p>
@@ -3183,7 +3183,7 @@
           <a:p>
             <a:fld id="{1D8BD707-D9CF-40AE-B4C6-C98DA3205C09}" type="datetimeFigureOut">
               <a:rPr lang="en-US"/>
-              <a:t>11/15/2023</a:t>
+              <a:t>11/26/2023</a:t>
             </a:fld>
             <a:endParaRPr lang="en-US"/>
           </a:p>
@@ -3417,7 +3417,7 @@
           <a:p>
             <a:fld id="{1D8BD707-D9CF-40AE-B4C6-C98DA3205C09}" type="datetimeFigureOut">
               <a:rPr lang="en-US"/>
-              <a:t>11/15/2023</a:t>
+              <a:t>11/26/2023</a:t>
             </a:fld>
             <a:endParaRPr lang="en-US"/>
           </a:p>
@@ -3628,7 +3628,7 @@
           <a:p>
             <a:fld id="{1D8BD707-D9CF-40AE-B4C6-C98DA3205C09}" type="datetimeFigureOut">
               <a:rPr lang="en-US"/>
-              <a:t>11/15/2023</a:t>
+              <a:t>11/26/2023</a:t>
             </a:fld>
             <a:endParaRPr lang="en-US"/>
           </a:p>
@@ -3882,7 +3882,7 @@
           <a:p>
             <a:fld id="{1D8BD707-D9CF-40AE-B4C6-C98DA3205C09}" type="datetimeFigureOut">
               <a:rPr lang="en-US"/>
-              <a:t>11/15/2023</a:t>
+              <a:t>11/26/2023</a:t>
             </a:fld>
             <a:endParaRPr lang="en-US"/>
           </a:p>
@@ -4150,7 +4150,7 @@
           <a:p>
             <a:fld id="{1D8BD707-D9CF-40AE-B4C6-C98DA3205C09}" type="datetimeFigureOut">
               <a:rPr lang="en-US"/>
-              <a:t>11/15/2023</a:t>
+              <a:t>11/26/2023</a:t>
             </a:fld>
             <a:endParaRPr lang="en-US"/>
           </a:p>
@@ -4498,7 +4498,7 @@
           <a:p>
             <a:fld id="{1D8BD707-D9CF-40AE-B4C6-C98DA3205C09}" type="datetimeFigureOut">
               <a:rPr lang="en-US"/>
-              <a:t>11/15/2023</a:t>
+              <a:t>11/26/2023</a:t>
             </a:fld>
             <a:endParaRPr lang="en-US"/>
           </a:p>
@@ -5305,7 +5305,7 @@
           <a:p>
             <a:fld id="{1D8BD707-D9CF-40AE-B4C6-C98DA3205C09}" type="datetimeFigureOut">
               <a:rPr lang="en-US"/>
-              <a:t>11/15/2023</a:t>
+              <a:t>11/26/2023</a:t>
             </a:fld>
             <a:endParaRPr lang="en-US"/>
           </a:p>
@@ -7969,7 +7969,7 @@
           <a:p>
             <a:fld id="{1D8BD707-D9CF-40AE-B4C6-C98DA3205C09}" type="datetimeFigureOut">
               <a:rPr lang="en-US"/>
-              <a:t>11/15/2023</a:t>
+              <a:t>11/26/2023</a:t>
             </a:fld>
             <a:endParaRPr lang="en-US"/>
           </a:p>
@@ -8239,7 +8239,7 @@
           <a:p>
             <a:fld id="{101F0A06-FD9F-406F-98C7-9C5E6D949568}" type="datetimeFigureOut">
               <a:rPr lang="es-ES" smtClean="0"/>
-              <a:t>15/11/2023</a:t>
+              <a:t>26/11/2023</a:t>
             </a:fld>
             <a:endParaRPr lang="es-ES"/>
           </a:p>
@@ -8429,7 +8429,7 @@
           <a:p>
             <a:fld id="{1D8BD707-D9CF-40AE-B4C6-C98DA3205C09}" type="datetimeFigureOut">
               <a:rPr lang="en-US"/>
-              <a:t>11/15/2023</a:t>
+              <a:t>11/26/2023</a:t>
             </a:fld>
             <a:endParaRPr lang="en-US"/>
           </a:p>
@@ -8649,7 +8649,7 @@
           <a:p>
             <a:fld id="{1D8BD707-D9CF-40AE-B4C6-C98DA3205C09}" type="datetimeFigureOut">
               <a:rPr lang="en-US"/>
-              <a:t>11/15/2023</a:t>
+              <a:t>11/26/2023</a:t>
             </a:fld>
             <a:endParaRPr lang="en-US"/>
           </a:p>
@@ -8782,7 +8782,7 @@
           <a:p>
             <a:fld id="{1D8BD707-D9CF-40AE-B4C6-C98DA3205C09}" type="datetimeFigureOut">
               <a:rPr lang="en-US"/>
-              <a:t>11/15/2023</a:t>
+              <a:t>11/26/2023</a:t>
             </a:fld>
             <a:endParaRPr lang="en-US"/>
           </a:p>
@@ -10036,7 +10036,7 @@
           <a:p>
             <a:fld id="{1D8BD707-D9CF-40AE-B4C6-C98DA3205C09}" type="datetimeFigureOut">
               <a:rPr lang="en-US"/>
-              <a:t>11/15/2023</a:t>
+              <a:t>11/26/2023</a:t>
             </a:fld>
             <a:endParaRPr lang="en-US"/>
           </a:p>
@@ -10932,7 +10932,7 @@
           <a:p>
             <a:fld id="{1D8BD707-D9CF-40AE-B4C6-C98DA3205C09}" type="datetimeFigureOut">
               <a:rPr lang="en-US"/>
-              <a:t>11/15/2023</a:t>
+              <a:t>11/26/2023</a:t>
             </a:fld>
             <a:endParaRPr lang="en-US"/>
           </a:p>
@@ -18632,14 +18632,14 @@
               </a:tabLst>
             </a:pPr>
             <a:r>
-              <a:rPr lang="pt-BR" sz="2000" spc="-10" dirty="0" err="1">
+              <a:rPr lang="pt-BR" sz="2000" spc="-10">
                 <a:solidFill>
                   <a:schemeClr val="tx1"/>
                 </a:solidFill>
                 <a:latin typeface="Tahoma"/>
                 <a:cs typeface="Tahoma"/>
               </a:rPr>
-              <a:t>Respositorio</a:t>
+              <a:t>Repositorio</a:t>
             </a:r>
             <a:r>
               <a:rPr lang="pt-BR" sz="2000" spc="-10" dirty="0">
